--- a/Presentation.pptx
+++ b/Presentation.pptx
@@ -216,7 +216,8 @@
           <a:p>
             <a:fld id="{9C89F4FD-1ABC-4E29-BCCD-97DBFF09183F}" type="datetimeFigureOut">
               <a:rPr lang="en-US" smtClean="0"/>
-              <a:t>11/4/2014</a:t>
+              <a:pPr/>
+              <a:t>20/11/2014</a:t>
             </a:fld>
             <a:endParaRPr lang="en-US"/>
           </a:p>
@@ -375,6 +376,7 @@
           <a:p>
             <a:fld id="{68D16F82-E10B-4B6E-A5AD-8202FAE2C686}" type="slidenum">
               <a:rPr lang="en-US" smtClean="0"/>
+              <a:pPr/>
               <a:t>‹#›</a:t>
             </a:fld>
             <a:endParaRPr lang="en-US"/>
@@ -384,7 +386,7 @@
     </p:spTree>
     <p:extLst>
       <p:ext uri="{BB962C8B-B14F-4D97-AF65-F5344CB8AC3E}">
-        <p14:creationId xmlns:p14="http://schemas.microsoft.com/office/powerpoint/2010/main" val="373531888"/>
+        <p14:creationId xmlns:p14="http://schemas.microsoft.com/office/powerpoint/2010/main" xmlns="" val="373531888"/>
       </p:ext>
     </p:extLst>
   </p:cSld>
@@ -515,14 +517,14 @@
           <a:noFill/>
           <a:extLst>
             <a:ext uri="{909E8E84-426E-40DD-AFC4-6F175D3DCCD1}">
-              <a14:hiddenFill xmlns:a14="http://schemas.microsoft.com/office/drawing/2010/main">
+              <a14:hiddenFill xmlns:a14="http://schemas.microsoft.com/office/drawing/2010/main" xmlns="">
                 <a:solidFill>
                   <a:srgbClr val="FFFFFF"/>
                 </a:solidFill>
               </a14:hiddenFill>
             </a:ext>
             <a:ext uri="{91240B29-F687-4F45-9708-019B960494DF}">
-              <a14:hiddenLine xmlns:a14="http://schemas.microsoft.com/office/drawing/2010/main" w="9525">
+              <a14:hiddenLine xmlns:a14="http://schemas.microsoft.com/office/drawing/2010/main" xmlns="" w="9525">
                 <a:solidFill>
                   <a:srgbClr val="000000"/>
                 </a:solidFill>
@@ -687,7 +689,7 @@
           </a:ln>
           <a:extLst>
             <a:ext uri="{909E8E84-426E-40DD-AFC4-6F175D3DCCD1}">
-              <a14:hiddenFill xmlns:a14="http://schemas.microsoft.com/office/drawing/2010/main">
+              <a14:hiddenFill xmlns:a14="http://schemas.microsoft.com/office/drawing/2010/main" xmlns="">
                 <a:solidFill>
                   <a:srgbClr val="FFFFFF"/>
                 </a:solidFill>
@@ -710,14 +712,14 @@
           <a:noFill/>
           <a:extLst>
             <a:ext uri="{909E8E84-426E-40DD-AFC4-6F175D3DCCD1}">
-              <a14:hiddenFill xmlns:a14="http://schemas.microsoft.com/office/drawing/2010/main">
+              <a14:hiddenFill xmlns:a14="http://schemas.microsoft.com/office/drawing/2010/main" xmlns="">
                 <a:solidFill>
                   <a:srgbClr val="FFFFFF"/>
                 </a:solidFill>
               </a14:hiddenFill>
             </a:ext>
             <a:ext uri="{91240B29-F687-4F45-9708-019B960494DF}">
-              <a14:hiddenLine xmlns:a14="http://schemas.microsoft.com/office/drawing/2010/main" w="9525">
+              <a14:hiddenLine xmlns:a14="http://schemas.microsoft.com/office/drawing/2010/main" xmlns="" w="9525">
                 <a:solidFill>
                   <a:srgbClr val="000000"/>
                 </a:solidFill>
@@ -929,7 +931,8 @@
           <a:p>
             <a:fld id="{D206E796-EE34-43A2-A3F4-FAE52E96BE9E}" type="datetimeFigureOut">
               <a:rPr lang="en-US" smtClean="0"/>
-              <a:t>11/4/2014</a:t>
+              <a:pPr/>
+              <a:t>20/11/2014</a:t>
             </a:fld>
             <a:endParaRPr lang="en-US"/>
           </a:p>
@@ -971,6 +974,7 @@
           <a:p>
             <a:fld id="{E0C0A4AE-87D8-45AD-A589-3784037B11C6}" type="slidenum">
               <a:rPr lang="en-US" smtClean="0"/>
+              <a:pPr/>
               <a:t>‹#›</a:t>
             </a:fld>
             <a:endParaRPr lang="en-US"/>
@@ -980,7 +984,7 @@
     </p:spTree>
     <p:extLst>
       <p:ext uri="{BB962C8B-B14F-4D97-AF65-F5344CB8AC3E}">
-        <p14:creationId xmlns:p14="http://schemas.microsoft.com/office/powerpoint/2010/main" val="2098695941"/>
+        <p14:creationId xmlns:p14="http://schemas.microsoft.com/office/powerpoint/2010/main" xmlns="" val="2098695941"/>
       </p:ext>
     </p:extLst>
   </p:cSld>
@@ -1099,7 +1103,8 @@
           <a:p>
             <a:fld id="{D206E796-EE34-43A2-A3F4-FAE52E96BE9E}" type="datetimeFigureOut">
               <a:rPr lang="en-US" smtClean="0"/>
-              <a:t>11/4/2014</a:t>
+              <a:pPr/>
+              <a:t>20/11/2014</a:t>
             </a:fld>
             <a:endParaRPr lang="en-US"/>
           </a:p>
@@ -1141,6 +1146,7 @@
           <a:p>
             <a:fld id="{E0C0A4AE-87D8-45AD-A589-3784037B11C6}" type="slidenum">
               <a:rPr lang="en-US" smtClean="0"/>
+              <a:pPr/>
               <a:t>‹#›</a:t>
             </a:fld>
             <a:endParaRPr lang="en-US"/>
@@ -1150,7 +1156,7 @@
     </p:spTree>
     <p:extLst>
       <p:ext uri="{BB962C8B-B14F-4D97-AF65-F5344CB8AC3E}">
-        <p14:creationId xmlns:p14="http://schemas.microsoft.com/office/powerpoint/2010/main" val="4257862918"/>
+        <p14:creationId xmlns:p14="http://schemas.microsoft.com/office/powerpoint/2010/main" xmlns="" val="4257862918"/>
       </p:ext>
     </p:extLst>
   </p:cSld>
@@ -1279,7 +1285,8 @@
           <a:p>
             <a:fld id="{D206E796-EE34-43A2-A3F4-FAE52E96BE9E}" type="datetimeFigureOut">
               <a:rPr lang="en-US" smtClean="0"/>
-              <a:t>11/4/2014</a:t>
+              <a:pPr/>
+              <a:t>20/11/2014</a:t>
             </a:fld>
             <a:endParaRPr lang="en-US"/>
           </a:p>
@@ -1321,6 +1328,7 @@
           <a:p>
             <a:fld id="{E0C0A4AE-87D8-45AD-A589-3784037B11C6}" type="slidenum">
               <a:rPr lang="en-US" smtClean="0"/>
+              <a:pPr/>
               <a:t>‹#›</a:t>
             </a:fld>
             <a:endParaRPr lang="en-US"/>
@@ -1330,7 +1338,7 @@
     </p:spTree>
     <p:extLst>
       <p:ext uri="{BB962C8B-B14F-4D97-AF65-F5344CB8AC3E}">
-        <p14:creationId xmlns:p14="http://schemas.microsoft.com/office/powerpoint/2010/main" val="3942710653"/>
+        <p14:creationId xmlns:p14="http://schemas.microsoft.com/office/powerpoint/2010/main" xmlns="" val="3942710653"/>
       </p:ext>
     </p:extLst>
   </p:cSld>
@@ -1449,7 +1457,8 @@
           <a:p>
             <a:fld id="{D206E796-EE34-43A2-A3F4-FAE52E96BE9E}" type="datetimeFigureOut">
               <a:rPr lang="en-US" smtClean="0"/>
-              <a:t>11/4/2014</a:t>
+              <a:pPr/>
+              <a:t>20/11/2014</a:t>
             </a:fld>
             <a:endParaRPr lang="en-US"/>
           </a:p>
@@ -1491,6 +1500,7 @@
           <a:p>
             <a:fld id="{E0C0A4AE-87D8-45AD-A589-3784037B11C6}" type="slidenum">
               <a:rPr lang="en-US" smtClean="0"/>
+              <a:pPr/>
               <a:t>‹#›</a:t>
             </a:fld>
             <a:endParaRPr lang="en-US"/>
@@ -1500,7 +1510,7 @@
     </p:spTree>
     <p:extLst>
       <p:ext uri="{BB962C8B-B14F-4D97-AF65-F5344CB8AC3E}">
-        <p14:creationId xmlns:p14="http://schemas.microsoft.com/office/powerpoint/2010/main" val="2402949540"/>
+        <p14:creationId xmlns:p14="http://schemas.microsoft.com/office/powerpoint/2010/main" xmlns="" val="2402949540"/>
       </p:ext>
     </p:extLst>
   </p:cSld>
@@ -1695,7 +1705,8 @@
           <a:p>
             <a:fld id="{D206E796-EE34-43A2-A3F4-FAE52E96BE9E}" type="datetimeFigureOut">
               <a:rPr lang="en-US" smtClean="0"/>
-              <a:t>11/4/2014</a:t>
+              <a:pPr/>
+              <a:t>20/11/2014</a:t>
             </a:fld>
             <a:endParaRPr lang="en-US"/>
           </a:p>
@@ -1737,6 +1748,7 @@
           <a:p>
             <a:fld id="{E0C0A4AE-87D8-45AD-A589-3784037B11C6}" type="slidenum">
               <a:rPr lang="en-US" smtClean="0"/>
+              <a:pPr/>
               <a:t>‹#›</a:t>
             </a:fld>
             <a:endParaRPr lang="en-US"/>
@@ -1746,7 +1758,7 @@
     </p:spTree>
     <p:extLst>
       <p:ext uri="{BB962C8B-B14F-4D97-AF65-F5344CB8AC3E}">
-        <p14:creationId xmlns:p14="http://schemas.microsoft.com/office/powerpoint/2010/main" val="3949648265"/>
+        <p14:creationId xmlns:p14="http://schemas.microsoft.com/office/powerpoint/2010/main" xmlns="" val="3949648265"/>
       </p:ext>
     </p:extLst>
   </p:cSld>
@@ -1983,7 +1995,8 @@
           <a:p>
             <a:fld id="{D206E796-EE34-43A2-A3F4-FAE52E96BE9E}" type="datetimeFigureOut">
               <a:rPr lang="en-US" smtClean="0"/>
-              <a:t>11/4/2014</a:t>
+              <a:pPr/>
+              <a:t>20/11/2014</a:t>
             </a:fld>
             <a:endParaRPr lang="en-US"/>
           </a:p>
@@ -2025,6 +2038,7 @@
           <a:p>
             <a:fld id="{E0C0A4AE-87D8-45AD-A589-3784037B11C6}" type="slidenum">
               <a:rPr lang="en-US" smtClean="0"/>
+              <a:pPr/>
               <a:t>‹#›</a:t>
             </a:fld>
             <a:endParaRPr lang="en-US"/>
@@ -2034,7 +2048,7 @@
     </p:spTree>
     <p:extLst>
       <p:ext uri="{BB962C8B-B14F-4D97-AF65-F5344CB8AC3E}">
-        <p14:creationId xmlns:p14="http://schemas.microsoft.com/office/powerpoint/2010/main" val="865488956"/>
+        <p14:creationId xmlns:p14="http://schemas.microsoft.com/office/powerpoint/2010/main" xmlns="" val="865488956"/>
       </p:ext>
     </p:extLst>
   </p:cSld>
@@ -2405,7 +2419,8 @@
           <a:p>
             <a:fld id="{D206E796-EE34-43A2-A3F4-FAE52E96BE9E}" type="datetimeFigureOut">
               <a:rPr lang="en-US" smtClean="0"/>
-              <a:t>11/4/2014</a:t>
+              <a:pPr/>
+              <a:t>20/11/2014</a:t>
             </a:fld>
             <a:endParaRPr lang="en-US"/>
           </a:p>
@@ -2447,6 +2462,7 @@
           <a:p>
             <a:fld id="{E0C0A4AE-87D8-45AD-A589-3784037B11C6}" type="slidenum">
               <a:rPr lang="en-US" smtClean="0"/>
+              <a:pPr/>
               <a:t>‹#›</a:t>
             </a:fld>
             <a:endParaRPr lang="en-US"/>
@@ -2456,7 +2472,7 @@
     </p:spTree>
     <p:extLst>
       <p:ext uri="{BB962C8B-B14F-4D97-AF65-F5344CB8AC3E}">
-        <p14:creationId xmlns:p14="http://schemas.microsoft.com/office/powerpoint/2010/main" val="4216960311"/>
+        <p14:creationId xmlns:p14="http://schemas.microsoft.com/office/powerpoint/2010/main" xmlns="" val="4216960311"/>
       </p:ext>
     </p:extLst>
   </p:cSld>
@@ -2523,7 +2539,8 @@
           <a:p>
             <a:fld id="{D206E796-EE34-43A2-A3F4-FAE52E96BE9E}" type="datetimeFigureOut">
               <a:rPr lang="en-US" smtClean="0"/>
-              <a:t>11/4/2014</a:t>
+              <a:pPr/>
+              <a:t>20/11/2014</a:t>
             </a:fld>
             <a:endParaRPr lang="en-US"/>
           </a:p>
@@ -2565,6 +2582,7 @@
           <a:p>
             <a:fld id="{E0C0A4AE-87D8-45AD-A589-3784037B11C6}" type="slidenum">
               <a:rPr lang="en-US" smtClean="0"/>
+              <a:pPr/>
               <a:t>‹#›</a:t>
             </a:fld>
             <a:endParaRPr lang="en-US"/>
@@ -2574,7 +2592,7 @@
     </p:spTree>
     <p:extLst>
       <p:ext uri="{BB962C8B-B14F-4D97-AF65-F5344CB8AC3E}">
-        <p14:creationId xmlns:p14="http://schemas.microsoft.com/office/powerpoint/2010/main" val="3637950443"/>
+        <p14:creationId xmlns:p14="http://schemas.microsoft.com/office/powerpoint/2010/main" xmlns="" val="3637950443"/>
       </p:ext>
     </p:extLst>
   </p:cSld>
@@ -2618,7 +2636,8 @@
           <a:p>
             <a:fld id="{D206E796-EE34-43A2-A3F4-FAE52E96BE9E}" type="datetimeFigureOut">
               <a:rPr lang="en-US" smtClean="0"/>
-              <a:t>11/4/2014</a:t>
+              <a:pPr/>
+              <a:t>20/11/2014</a:t>
             </a:fld>
             <a:endParaRPr lang="en-US"/>
           </a:p>
@@ -2660,6 +2679,7 @@
           <a:p>
             <a:fld id="{E0C0A4AE-87D8-45AD-A589-3784037B11C6}" type="slidenum">
               <a:rPr lang="en-US" smtClean="0"/>
+              <a:pPr/>
               <a:t>‹#›</a:t>
             </a:fld>
             <a:endParaRPr lang="en-US"/>
@@ -2669,7 +2689,7 @@
     </p:spTree>
     <p:extLst>
       <p:ext uri="{BB962C8B-B14F-4D97-AF65-F5344CB8AC3E}">
-        <p14:creationId xmlns:p14="http://schemas.microsoft.com/office/powerpoint/2010/main" val="1080555268"/>
+        <p14:creationId xmlns:p14="http://schemas.microsoft.com/office/powerpoint/2010/main" xmlns="" val="1080555268"/>
       </p:ext>
     </p:extLst>
   </p:cSld>
@@ -2895,7 +2915,8 @@
           <a:p>
             <a:fld id="{D206E796-EE34-43A2-A3F4-FAE52E96BE9E}" type="datetimeFigureOut">
               <a:rPr lang="en-US" smtClean="0"/>
-              <a:t>11/4/2014</a:t>
+              <a:pPr/>
+              <a:t>20/11/2014</a:t>
             </a:fld>
             <a:endParaRPr lang="en-US"/>
           </a:p>
@@ -2937,6 +2958,7 @@
           <a:p>
             <a:fld id="{E0C0A4AE-87D8-45AD-A589-3784037B11C6}" type="slidenum">
               <a:rPr lang="en-US" smtClean="0"/>
+              <a:pPr/>
               <a:t>‹#›</a:t>
             </a:fld>
             <a:endParaRPr lang="en-US"/>
@@ -2946,7 +2968,7 @@
     </p:spTree>
     <p:extLst>
       <p:ext uri="{BB962C8B-B14F-4D97-AF65-F5344CB8AC3E}">
-        <p14:creationId xmlns:p14="http://schemas.microsoft.com/office/powerpoint/2010/main" val="295506380"/>
+        <p14:creationId xmlns:p14="http://schemas.microsoft.com/office/powerpoint/2010/main" xmlns="" val="295506380"/>
       </p:ext>
     </p:extLst>
   </p:cSld>
@@ -3148,7 +3170,8 @@
           <a:p>
             <a:fld id="{D206E796-EE34-43A2-A3F4-FAE52E96BE9E}" type="datetimeFigureOut">
               <a:rPr lang="en-US" smtClean="0"/>
-              <a:t>11/4/2014</a:t>
+              <a:pPr/>
+              <a:t>20/11/2014</a:t>
             </a:fld>
             <a:endParaRPr lang="en-US"/>
           </a:p>
@@ -3190,6 +3213,7 @@
           <a:p>
             <a:fld id="{E0C0A4AE-87D8-45AD-A589-3784037B11C6}" type="slidenum">
               <a:rPr lang="en-US" smtClean="0"/>
+              <a:pPr/>
               <a:t>‹#›</a:t>
             </a:fld>
             <a:endParaRPr lang="en-US"/>
@@ -3199,7 +3223,7 @@
     </p:spTree>
     <p:extLst>
       <p:ext uri="{BB962C8B-B14F-4D97-AF65-F5344CB8AC3E}">
-        <p14:creationId xmlns:p14="http://schemas.microsoft.com/office/powerpoint/2010/main" val="1280041009"/>
+        <p14:creationId xmlns:p14="http://schemas.microsoft.com/office/powerpoint/2010/main" xmlns="" val="1280041009"/>
       </p:ext>
     </p:extLst>
   </p:cSld>
@@ -3361,7 +3385,8 @@
           <a:p>
             <a:fld id="{D206E796-EE34-43A2-A3F4-FAE52E96BE9E}" type="datetimeFigureOut">
               <a:rPr lang="en-US" smtClean="0"/>
-              <a:t>11/4/2014</a:t>
+              <a:pPr/>
+              <a:t>20/11/2014</a:t>
             </a:fld>
             <a:endParaRPr lang="en-US"/>
           </a:p>
@@ -3439,6 +3464,7 @@
           <a:p>
             <a:fld id="{E0C0A4AE-87D8-45AD-A589-3784037B11C6}" type="slidenum">
               <a:rPr lang="en-US" smtClean="0"/>
+              <a:pPr/>
               <a:t>‹#›</a:t>
             </a:fld>
             <a:endParaRPr lang="en-US"/>
@@ -3448,7 +3474,7 @@
     </p:spTree>
     <p:extLst>
       <p:ext uri="{BB962C8B-B14F-4D97-AF65-F5344CB8AC3E}">
-        <p14:creationId xmlns:p14="http://schemas.microsoft.com/office/powerpoint/2010/main" val="3744423686"/>
+        <p14:creationId xmlns:p14="http://schemas.microsoft.com/office/powerpoint/2010/main" xmlns="" val="3744423686"/>
       </p:ext>
     </p:extLst>
   </p:cSld>
@@ -3748,7 +3774,7 @@
           <a:blip r:embed="rId2">
             <a:extLst>
               <a:ext uri="{28A0092B-C50C-407E-A947-70E740481C1C}">
-                <a14:useLocalDpi xmlns:a14="http://schemas.microsoft.com/office/drawing/2010/main" val="0"/>
+                <a14:useLocalDpi xmlns:a14="http://schemas.microsoft.com/office/drawing/2010/main" xmlns="" val="0"/>
               </a:ext>
             </a:extLst>
           </a:blip>
@@ -3772,14 +3798,14 @@
           <a:effectLst/>
           <a:extLst>
             <a:ext uri="{909E8E84-426E-40DD-AFC4-6F175D3DCCD1}">
-              <a14:hiddenFill xmlns:a14="http://schemas.microsoft.com/office/drawing/2010/main">
+              <a14:hiddenFill xmlns:a14="http://schemas.microsoft.com/office/drawing/2010/main" xmlns="">
                 <a:solidFill>
                   <a:schemeClr val="accent1"/>
                 </a:solidFill>
               </a14:hiddenFill>
             </a:ext>
             <a:ext uri="{91240B29-F687-4F45-9708-019B960494DF}">
-              <a14:hiddenLine xmlns:a14="http://schemas.microsoft.com/office/drawing/2010/main" w="9525">
+              <a14:hiddenLine xmlns:a14="http://schemas.microsoft.com/office/drawing/2010/main" xmlns="" w="9525">
                 <a:solidFill>
                   <a:schemeClr val="tx1"/>
                 </a:solidFill>
@@ -3789,7 +3815,7 @@
               </a14:hiddenLine>
             </a:ext>
             <a:ext uri="{AF507438-7753-43E0-B8FC-AC1667EBCBE1}">
-              <a14:hiddenEffects xmlns:a14="http://schemas.microsoft.com/office/drawing/2010/main">
+              <a14:hiddenEffects xmlns:a14="http://schemas.microsoft.com/office/drawing/2010/main" xmlns="">
                 <a:effectLst>
                   <a:outerShdw dist="35921" dir="2700000" algn="ctr" rotWithShape="0">
                     <a:schemeClr val="bg2"/>
@@ -3823,16 +3849,10 @@
           <a:lstStyle/>
           <a:p>
             <a:r>
-              <a:rPr lang="en-US" sz="4800" dirty="0" err="1" smtClean="0">
-                <a:latin typeface="Cooper Black" pitchFamily="18" charset="0"/>
-              </a:rPr>
-              <a:t>Lolliopop</a:t>
-            </a:r>
-            <a:r>
               <a:rPr lang="en-US" sz="4800" dirty="0" smtClean="0">
                 <a:latin typeface="Cooper Black" pitchFamily="18" charset="0"/>
               </a:rPr>
-              <a:t>   5.0</a:t>
+              <a:t>Android</a:t>
             </a:r>
             <a:endParaRPr lang="en-US" sz="4800" dirty="0">
               <a:latin typeface="Cooper Black" pitchFamily="18" charset="0"/>
@@ -3843,7 +3863,7 @@
     </p:spTree>
     <p:extLst>
       <p:ext uri="{BB962C8B-B14F-4D97-AF65-F5344CB8AC3E}">
-        <p14:creationId xmlns:p14="http://schemas.microsoft.com/office/powerpoint/2010/main" val="3492045534"/>
+        <p14:creationId xmlns:p14="http://schemas.microsoft.com/office/powerpoint/2010/main" xmlns="" val="3492045534"/>
       </p:ext>
     </p:extLst>
   </p:cSld>
@@ -4057,7 +4077,7 @@
     </p:spTree>
     <p:extLst>
       <p:ext uri="{BB962C8B-B14F-4D97-AF65-F5344CB8AC3E}">
-        <p14:creationId xmlns:p14="http://schemas.microsoft.com/office/powerpoint/2010/main" val="2165889438"/>
+        <p14:creationId xmlns:p14="http://schemas.microsoft.com/office/powerpoint/2010/main" xmlns="" val="2165889438"/>
       </p:ext>
     </p:extLst>
   </p:cSld>
@@ -4125,7 +4145,7 @@
           <a:blip r:embed="rId2">
             <a:extLst>
               <a:ext uri="{28A0092B-C50C-407E-A947-70E740481C1C}">
-                <a14:useLocalDpi xmlns:a14="http://schemas.microsoft.com/office/drawing/2010/main" val="0"/>
+                <a14:useLocalDpi xmlns:a14="http://schemas.microsoft.com/office/drawing/2010/main" xmlns="" val="0"/>
               </a:ext>
             </a:extLst>
           </a:blip>
@@ -4145,7 +4165,7 @@
           <a:noFill/>
           <a:extLst>
             <a:ext uri="{909E8E84-426E-40DD-AFC4-6F175D3DCCD1}">
-              <a14:hiddenFill xmlns:a14="http://schemas.microsoft.com/office/drawing/2010/main">
+              <a14:hiddenFill xmlns:a14="http://schemas.microsoft.com/office/drawing/2010/main" xmlns="">
                 <a:solidFill>
                   <a:srgbClr val="FFFFFF"/>
                 </a:solidFill>
@@ -4157,7 +4177,7 @@
     </p:spTree>
     <p:extLst>
       <p:ext uri="{BB962C8B-B14F-4D97-AF65-F5344CB8AC3E}">
-        <p14:creationId xmlns:p14="http://schemas.microsoft.com/office/powerpoint/2010/main" val="1283546481"/>
+        <p14:creationId xmlns:p14="http://schemas.microsoft.com/office/powerpoint/2010/main" xmlns="" val="1283546481"/>
       </p:ext>
     </p:extLst>
   </p:cSld>
@@ -4377,7 +4397,7 @@
     </p:spTree>
     <p:extLst>
       <p:ext uri="{BB962C8B-B14F-4D97-AF65-F5344CB8AC3E}">
-        <p14:creationId xmlns:p14="http://schemas.microsoft.com/office/powerpoint/2010/main" val="1214127885"/>
+        <p14:creationId xmlns:p14="http://schemas.microsoft.com/office/powerpoint/2010/main" xmlns="" val="1214127885"/>
       </p:ext>
     </p:extLst>
   </p:cSld>
@@ -4423,7 +4443,7 @@
           <a:blip r:embed="rId2">
             <a:extLst>
               <a:ext uri="{28A0092B-C50C-407E-A947-70E740481C1C}">
-                <a14:useLocalDpi xmlns:a14="http://schemas.microsoft.com/office/drawing/2010/main" val="0"/>
+                <a14:useLocalDpi xmlns:a14="http://schemas.microsoft.com/office/drawing/2010/main" xmlns="" val="0"/>
               </a:ext>
             </a:extLst>
           </a:blip>
@@ -4446,14 +4466,14 @@
           </a:ln>
           <a:extLst>
             <a:ext uri="{909E8E84-426E-40DD-AFC4-6F175D3DCCD1}">
-              <a14:hiddenFill xmlns:a14="http://schemas.microsoft.com/office/drawing/2010/main">
+              <a14:hiddenFill xmlns:a14="http://schemas.microsoft.com/office/drawing/2010/main" xmlns="">
                 <a:solidFill>
                   <a:srgbClr val="FFFFFF"/>
                 </a:solidFill>
               </a14:hiddenFill>
             </a:ext>
             <a:ext uri="{91240B29-F687-4F45-9708-019B960494DF}">
-              <a14:hiddenLine xmlns:a14="http://schemas.microsoft.com/office/drawing/2010/main" w="9525">
+              <a14:hiddenLine xmlns:a14="http://schemas.microsoft.com/office/drawing/2010/main" xmlns="" w="9525">
                 <a:solidFill>
                   <a:srgbClr val="000000"/>
                 </a:solidFill>
@@ -4468,7 +4488,7 @@
     </p:spTree>
     <p:extLst>
       <p:ext uri="{BB962C8B-B14F-4D97-AF65-F5344CB8AC3E}">
-        <p14:creationId xmlns:p14="http://schemas.microsoft.com/office/powerpoint/2010/main" val="292156344"/>
+        <p14:creationId xmlns:p14="http://schemas.microsoft.com/office/powerpoint/2010/main" xmlns="" val="292156344"/>
       </p:ext>
     </p:extLst>
   </p:cSld>
@@ -4544,7 +4564,7 @@
           <a:blip r:embed="rId2">
             <a:extLst>
               <a:ext uri="{28A0092B-C50C-407E-A947-70E740481C1C}">
-                <a14:useLocalDpi xmlns:a14="http://schemas.microsoft.com/office/drawing/2010/main" val="0"/>
+                <a14:useLocalDpi xmlns:a14="http://schemas.microsoft.com/office/drawing/2010/main" xmlns="" val="0"/>
               </a:ext>
             </a:extLst>
           </a:blip>
@@ -4582,14 +4602,14 @@
           </a:ln>
           <a:extLst>
             <a:ext uri="{909E8E84-426E-40DD-AFC4-6F175D3DCCD1}">
-              <a14:hiddenFill xmlns:a14="http://schemas.microsoft.com/office/drawing/2010/main">
+              <a14:hiddenFill xmlns:a14="http://schemas.microsoft.com/office/drawing/2010/main" xmlns="">
                 <a:solidFill>
                   <a:srgbClr val="FFFFFF"/>
                 </a:solidFill>
               </a14:hiddenFill>
             </a:ext>
             <a:ext uri="{91240B29-F687-4F45-9708-019B960494DF}">
-              <a14:hiddenLine xmlns:a14="http://schemas.microsoft.com/office/drawing/2010/main" w="9525">
+              <a14:hiddenLine xmlns:a14="http://schemas.microsoft.com/office/drawing/2010/main" xmlns="" w="9525">
                 <a:solidFill>
                   <a:srgbClr val="000000"/>
                 </a:solidFill>
@@ -4687,7 +4707,7 @@
     </p:spTree>
     <p:extLst>
       <p:ext uri="{BB962C8B-B14F-4D97-AF65-F5344CB8AC3E}">
-        <p14:creationId xmlns:p14="http://schemas.microsoft.com/office/powerpoint/2010/main" val="3892065282"/>
+        <p14:creationId xmlns:p14="http://schemas.microsoft.com/office/powerpoint/2010/main" xmlns="" val="3892065282"/>
       </p:ext>
     </p:extLst>
   </p:cSld>
@@ -4743,14 +4763,14 @@
           </a:ln>
           <a:extLst>
             <a:ext uri="{909E8E84-426E-40DD-AFC4-6F175D3DCCD1}">
-              <a14:hiddenFill xmlns:a14="http://schemas.microsoft.com/office/drawing/2010/main">
+              <a14:hiddenFill xmlns:a14="http://schemas.microsoft.com/office/drawing/2010/main" xmlns="">
                 <a:solidFill>
                   <a:srgbClr val="FFFFFF"/>
                 </a:solidFill>
               </a14:hiddenFill>
             </a:ext>
             <a:ext uri="{91240B29-F687-4F45-9708-019B960494DF}">
-              <a14:hiddenLine xmlns:a14="http://schemas.microsoft.com/office/drawing/2010/main" w="9525">
+              <a14:hiddenLine xmlns:a14="http://schemas.microsoft.com/office/drawing/2010/main" xmlns="" w="9525">
                 <a:solidFill>
                   <a:srgbClr val="000000"/>
                 </a:solidFill>
@@ -4908,7 +4928,7 @@
           <a:blip r:embed="rId2">
             <a:extLst>
               <a:ext uri="{28A0092B-C50C-407E-A947-70E740481C1C}">
-                <a14:useLocalDpi xmlns:a14="http://schemas.microsoft.com/office/drawing/2010/main" val="0"/>
+                <a14:useLocalDpi xmlns:a14="http://schemas.microsoft.com/office/drawing/2010/main" xmlns="" val="0"/>
               </a:ext>
             </a:extLst>
           </a:blip>
@@ -4931,14 +4951,14 @@
           </a:ln>
           <a:extLst>
             <a:ext uri="{909E8E84-426E-40DD-AFC4-6F175D3DCCD1}">
-              <a14:hiddenFill xmlns:a14="http://schemas.microsoft.com/office/drawing/2010/main">
+              <a14:hiddenFill xmlns:a14="http://schemas.microsoft.com/office/drawing/2010/main" xmlns="">
                 <a:solidFill>
                   <a:srgbClr val="FFFFFF"/>
                 </a:solidFill>
               </a14:hiddenFill>
             </a:ext>
             <a:ext uri="{91240B29-F687-4F45-9708-019B960494DF}">
-              <a14:hiddenLine xmlns:a14="http://schemas.microsoft.com/office/drawing/2010/main" w="9525">
+              <a14:hiddenLine xmlns:a14="http://schemas.microsoft.com/office/drawing/2010/main" xmlns="" w="9525">
                 <a:solidFill>
                   <a:srgbClr val="000000"/>
                 </a:solidFill>
@@ -4972,14 +4992,14 @@
           </a:ln>
           <a:extLst>
             <a:ext uri="{909E8E84-426E-40DD-AFC4-6F175D3DCCD1}">
-              <a14:hiddenFill xmlns:a14="http://schemas.microsoft.com/office/drawing/2010/main">
+              <a14:hiddenFill xmlns:a14="http://schemas.microsoft.com/office/drawing/2010/main" xmlns="">
                 <a:solidFill>
                   <a:srgbClr val="FFFFFF"/>
                 </a:solidFill>
               </a14:hiddenFill>
             </a:ext>
             <a:ext uri="{91240B29-F687-4F45-9708-019B960494DF}">
-              <a14:hiddenLine xmlns:a14="http://schemas.microsoft.com/office/drawing/2010/main" w="9525">
+              <a14:hiddenLine xmlns:a14="http://schemas.microsoft.com/office/drawing/2010/main" xmlns="" w="9525">
                 <a:solidFill>
                   <a:srgbClr val="000000"/>
                 </a:solidFill>
@@ -5020,7 +5040,7 @@
     </p:spTree>
     <p:extLst>
       <p:ext uri="{BB962C8B-B14F-4D97-AF65-F5344CB8AC3E}">
-        <p14:creationId xmlns:p14="http://schemas.microsoft.com/office/powerpoint/2010/main" val="909939865"/>
+        <p14:creationId xmlns:p14="http://schemas.microsoft.com/office/powerpoint/2010/main" xmlns="" val="909939865"/>
       </p:ext>
     </p:extLst>
   </p:cSld>
@@ -5076,14 +5096,14 @@
           </a:ln>
           <a:extLst>
             <a:ext uri="{909E8E84-426E-40DD-AFC4-6F175D3DCCD1}">
-              <a14:hiddenFill xmlns:a14="http://schemas.microsoft.com/office/drawing/2010/main">
+              <a14:hiddenFill xmlns:a14="http://schemas.microsoft.com/office/drawing/2010/main" xmlns="">
                 <a:solidFill>
                   <a:srgbClr val="FFFFFF"/>
                 </a:solidFill>
               </a14:hiddenFill>
             </a:ext>
             <a:ext uri="{91240B29-F687-4F45-9708-019B960494DF}">
-              <a14:hiddenLine xmlns:a14="http://schemas.microsoft.com/office/drawing/2010/main" w="9525">
+              <a14:hiddenLine xmlns:a14="http://schemas.microsoft.com/office/drawing/2010/main" xmlns="" w="9525">
                 <a:solidFill>
                   <a:srgbClr val="000000"/>
                 </a:solidFill>
@@ -5135,7 +5155,7 @@
           <a:blip r:embed="rId2">
             <a:extLst>
               <a:ext uri="{28A0092B-C50C-407E-A947-70E740481C1C}">
-                <a14:useLocalDpi xmlns:a14="http://schemas.microsoft.com/office/drawing/2010/main" val="0"/>
+                <a14:useLocalDpi xmlns:a14="http://schemas.microsoft.com/office/drawing/2010/main" xmlns="" val="0"/>
               </a:ext>
             </a:extLst>
           </a:blip>
@@ -5158,14 +5178,14 @@
           </a:ln>
           <a:extLst>
             <a:ext uri="{909E8E84-426E-40DD-AFC4-6F175D3DCCD1}">
-              <a14:hiddenFill xmlns:a14="http://schemas.microsoft.com/office/drawing/2010/main">
+              <a14:hiddenFill xmlns:a14="http://schemas.microsoft.com/office/drawing/2010/main" xmlns="">
                 <a:solidFill>
                   <a:srgbClr val="FFFFFF"/>
                 </a:solidFill>
               </a14:hiddenFill>
             </a:ext>
             <a:ext uri="{91240B29-F687-4F45-9708-019B960494DF}">
-              <a14:hiddenLine xmlns:a14="http://schemas.microsoft.com/office/drawing/2010/main" w="9525">
+              <a14:hiddenLine xmlns:a14="http://schemas.microsoft.com/office/drawing/2010/main" xmlns="" w="9525">
                 <a:solidFill>
                   <a:srgbClr val="000000"/>
                 </a:solidFill>
@@ -5189,7 +5209,7 @@
           <a:blip r:embed="rId3">
             <a:extLst>
               <a:ext uri="{28A0092B-C50C-407E-A947-70E740481C1C}">
-                <a14:useLocalDpi xmlns:a14="http://schemas.microsoft.com/office/drawing/2010/main" val="0"/>
+                <a14:useLocalDpi xmlns:a14="http://schemas.microsoft.com/office/drawing/2010/main" xmlns="" val="0"/>
               </a:ext>
             </a:extLst>
           </a:blip>
@@ -5212,14 +5232,14 @@
           </a:ln>
           <a:extLst>
             <a:ext uri="{909E8E84-426E-40DD-AFC4-6F175D3DCCD1}">
-              <a14:hiddenFill xmlns:a14="http://schemas.microsoft.com/office/drawing/2010/main">
+              <a14:hiddenFill xmlns:a14="http://schemas.microsoft.com/office/drawing/2010/main" xmlns="">
                 <a:solidFill>
                   <a:srgbClr val="FFFFFF"/>
                 </a:solidFill>
               </a14:hiddenFill>
             </a:ext>
             <a:ext uri="{91240B29-F687-4F45-9708-019B960494DF}">
-              <a14:hiddenLine xmlns:a14="http://schemas.microsoft.com/office/drawing/2010/main" w="9525">
+              <a14:hiddenLine xmlns:a14="http://schemas.microsoft.com/office/drawing/2010/main" xmlns="" w="9525">
                 <a:solidFill>
                   <a:srgbClr val="000000"/>
                 </a:solidFill>
@@ -5253,14 +5273,14 @@
           </a:ln>
           <a:extLst>
             <a:ext uri="{909E8E84-426E-40DD-AFC4-6F175D3DCCD1}">
-              <a14:hiddenFill xmlns:a14="http://schemas.microsoft.com/office/drawing/2010/main">
+              <a14:hiddenFill xmlns:a14="http://schemas.microsoft.com/office/drawing/2010/main" xmlns="">
                 <a:solidFill>
                   <a:srgbClr val="FFFFFF"/>
                 </a:solidFill>
               </a14:hiddenFill>
             </a:ext>
             <a:ext uri="{91240B29-F687-4F45-9708-019B960494DF}">
-              <a14:hiddenLine xmlns:a14="http://schemas.microsoft.com/office/drawing/2010/main" w="9525">
+              <a14:hiddenLine xmlns:a14="http://schemas.microsoft.com/office/drawing/2010/main" xmlns="" w="9525">
                 <a:solidFill>
                   <a:srgbClr val="000000"/>
                 </a:solidFill>
@@ -5391,7 +5411,7 @@
     </p:spTree>
     <p:extLst>
       <p:ext uri="{BB962C8B-B14F-4D97-AF65-F5344CB8AC3E}">
-        <p14:creationId xmlns:p14="http://schemas.microsoft.com/office/powerpoint/2010/main" val="1676128893"/>
+        <p14:creationId xmlns:p14="http://schemas.microsoft.com/office/powerpoint/2010/main" xmlns="" val="1676128893"/>
       </p:ext>
     </p:extLst>
   </p:cSld>
@@ -5447,14 +5467,14 @@
           </a:ln>
           <a:extLst>
             <a:ext uri="{909E8E84-426E-40DD-AFC4-6F175D3DCCD1}">
-              <a14:hiddenFill xmlns:a14="http://schemas.microsoft.com/office/drawing/2010/main">
+              <a14:hiddenFill xmlns:a14="http://schemas.microsoft.com/office/drawing/2010/main" xmlns="">
                 <a:solidFill>
                   <a:srgbClr val="FFFFFF"/>
                 </a:solidFill>
               </a14:hiddenFill>
             </a:ext>
             <a:ext uri="{91240B29-F687-4F45-9708-019B960494DF}">
-              <a14:hiddenLine xmlns:a14="http://schemas.microsoft.com/office/drawing/2010/main" w="9525">
+              <a14:hiddenLine xmlns:a14="http://schemas.microsoft.com/office/drawing/2010/main" xmlns="" w="9525">
                 <a:solidFill>
                   <a:srgbClr val="000000"/>
                 </a:solidFill>
@@ -5506,7 +5526,7 @@
           <a:blip r:embed="rId2">
             <a:extLst>
               <a:ext uri="{28A0092B-C50C-407E-A947-70E740481C1C}">
-                <a14:useLocalDpi xmlns:a14="http://schemas.microsoft.com/office/drawing/2010/main" val="0"/>
+                <a14:useLocalDpi xmlns:a14="http://schemas.microsoft.com/office/drawing/2010/main" xmlns="" val="0"/>
               </a:ext>
             </a:extLst>
           </a:blip>
@@ -5529,14 +5549,14 @@
           </a:ln>
           <a:extLst>
             <a:ext uri="{909E8E84-426E-40DD-AFC4-6F175D3DCCD1}">
-              <a14:hiddenFill xmlns:a14="http://schemas.microsoft.com/office/drawing/2010/main">
+              <a14:hiddenFill xmlns:a14="http://schemas.microsoft.com/office/drawing/2010/main" xmlns="">
                 <a:solidFill>
                   <a:srgbClr val="FFFFFF"/>
                 </a:solidFill>
               </a14:hiddenFill>
             </a:ext>
             <a:ext uri="{91240B29-F687-4F45-9708-019B960494DF}">
-              <a14:hiddenLine xmlns:a14="http://schemas.microsoft.com/office/drawing/2010/main" w="9525">
+              <a14:hiddenLine xmlns:a14="http://schemas.microsoft.com/office/drawing/2010/main" xmlns="" w="9525">
                 <a:solidFill>
                   <a:srgbClr val="000000"/>
                 </a:solidFill>
@@ -5570,14 +5590,14 @@
           </a:ln>
           <a:extLst>
             <a:ext uri="{909E8E84-426E-40DD-AFC4-6F175D3DCCD1}">
-              <a14:hiddenFill xmlns:a14="http://schemas.microsoft.com/office/drawing/2010/main">
+              <a14:hiddenFill xmlns:a14="http://schemas.microsoft.com/office/drawing/2010/main" xmlns="">
                 <a:solidFill>
                   <a:srgbClr val="FFFFFF"/>
                 </a:solidFill>
               </a14:hiddenFill>
             </a:ext>
             <a:ext uri="{91240B29-F687-4F45-9708-019B960494DF}">
-              <a14:hiddenLine xmlns:a14="http://schemas.microsoft.com/office/drawing/2010/main" w="9525">
+              <a14:hiddenLine xmlns:a14="http://schemas.microsoft.com/office/drawing/2010/main" xmlns="" w="9525">
                 <a:solidFill>
                   <a:srgbClr val="000000"/>
                 </a:solidFill>
@@ -5808,7 +5828,7 @@
           <a:blip r:embed="rId3">
             <a:extLst>
               <a:ext uri="{28A0092B-C50C-407E-A947-70E740481C1C}">
-                <a14:useLocalDpi xmlns:a14="http://schemas.microsoft.com/office/drawing/2010/main" val="0"/>
+                <a14:useLocalDpi xmlns:a14="http://schemas.microsoft.com/office/drawing/2010/main" xmlns="" val="0"/>
               </a:ext>
             </a:extLst>
           </a:blip>
@@ -5831,14 +5851,14 @@
           </a:ln>
           <a:extLst>
             <a:ext uri="{909E8E84-426E-40DD-AFC4-6F175D3DCCD1}">
-              <a14:hiddenFill xmlns:a14="http://schemas.microsoft.com/office/drawing/2010/main">
+              <a14:hiddenFill xmlns:a14="http://schemas.microsoft.com/office/drawing/2010/main" xmlns="">
                 <a:solidFill>
                   <a:srgbClr val="FFFFFF"/>
                 </a:solidFill>
               </a14:hiddenFill>
             </a:ext>
             <a:ext uri="{91240B29-F687-4F45-9708-019B960494DF}">
-              <a14:hiddenLine xmlns:a14="http://schemas.microsoft.com/office/drawing/2010/main" w="9525">
+              <a14:hiddenLine xmlns:a14="http://schemas.microsoft.com/office/drawing/2010/main" xmlns="" w="9525">
                 <a:solidFill>
                   <a:srgbClr val="000000"/>
                 </a:solidFill>
@@ -5853,7 +5873,7 @@
     </p:spTree>
     <p:extLst>
       <p:ext uri="{BB962C8B-B14F-4D97-AF65-F5344CB8AC3E}">
-        <p14:creationId xmlns:p14="http://schemas.microsoft.com/office/powerpoint/2010/main" val="2795880321"/>
+        <p14:creationId xmlns:p14="http://schemas.microsoft.com/office/powerpoint/2010/main" xmlns="" val="2795880321"/>
       </p:ext>
     </p:extLst>
   </p:cSld>
@@ -5909,14 +5929,14 @@
           </a:ln>
           <a:extLst>
             <a:ext uri="{909E8E84-426E-40DD-AFC4-6F175D3DCCD1}">
-              <a14:hiddenFill xmlns:a14="http://schemas.microsoft.com/office/drawing/2010/main">
+              <a14:hiddenFill xmlns:a14="http://schemas.microsoft.com/office/drawing/2010/main" xmlns="">
                 <a:solidFill>
                   <a:srgbClr val="FFFFFF"/>
                 </a:solidFill>
               </a14:hiddenFill>
             </a:ext>
             <a:ext uri="{91240B29-F687-4F45-9708-019B960494DF}">
-              <a14:hiddenLine xmlns:a14="http://schemas.microsoft.com/office/drawing/2010/main" w="9525">
+              <a14:hiddenLine xmlns:a14="http://schemas.microsoft.com/office/drawing/2010/main" xmlns="" w="9525">
                 <a:solidFill>
                   <a:srgbClr val="000000"/>
                 </a:solidFill>
@@ -5969,7 +5989,7 @@
           <a:blip r:embed="rId2">
             <a:extLst>
               <a:ext uri="{28A0092B-C50C-407E-A947-70E740481C1C}">
-                <a14:useLocalDpi xmlns:a14="http://schemas.microsoft.com/office/drawing/2010/main" val="0"/>
+                <a14:useLocalDpi xmlns:a14="http://schemas.microsoft.com/office/drawing/2010/main" xmlns="" val="0"/>
               </a:ext>
             </a:extLst>
           </a:blip>
@@ -5992,14 +6012,14 @@
           </a:ln>
           <a:extLst>
             <a:ext uri="{909E8E84-426E-40DD-AFC4-6F175D3DCCD1}">
-              <a14:hiddenFill xmlns:a14="http://schemas.microsoft.com/office/drawing/2010/main">
+              <a14:hiddenFill xmlns:a14="http://schemas.microsoft.com/office/drawing/2010/main" xmlns="">
                 <a:solidFill>
                   <a:srgbClr val="FFFFFF"/>
                 </a:solidFill>
               </a14:hiddenFill>
             </a:ext>
             <a:ext uri="{91240B29-F687-4F45-9708-019B960494DF}">
-              <a14:hiddenLine xmlns:a14="http://schemas.microsoft.com/office/drawing/2010/main" w="9525">
+              <a14:hiddenLine xmlns:a14="http://schemas.microsoft.com/office/drawing/2010/main" xmlns="" w="9525">
                 <a:solidFill>
                   <a:srgbClr val="000000"/>
                 </a:solidFill>
@@ -6033,14 +6053,14 @@
           </a:ln>
           <a:extLst>
             <a:ext uri="{909E8E84-426E-40DD-AFC4-6F175D3DCCD1}">
-              <a14:hiddenFill xmlns:a14="http://schemas.microsoft.com/office/drawing/2010/main">
+              <a14:hiddenFill xmlns:a14="http://schemas.microsoft.com/office/drawing/2010/main" xmlns="">
                 <a:solidFill>
                   <a:srgbClr val="FFFFFF"/>
                 </a:solidFill>
               </a14:hiddenFill>
             </a:ext>
             <a:ext uri="{91240B29-F687-4F45-9708-019B960494DF}">
-              <a14:hiddenLine xmlns:a14="http://schemas.microsoft.com/office/drawing/2010/main" w="9525">
+              <a14:hiddenLine xmlns:a14="http://schemas.microsoft.com/office/drawing/2010/main" xmlns="" w="9525">
                 <a:solidFill>
                   <a:srgbClr val="000000"/>
                 </a:solidFill>
@@ -6141,7 +6161,7 @@
     </p:spTree>
     <p:extLst>
       <p:ext uri="{BB962C8B-B14F-4D97-AF65-F5344CB8AC3E}">
-        <p14:creationId xmlns:p14="http://schemas.microsoft.com/office/powerpoint/2010/main" val="757239827"/>
+        <p14:creationId xmlns:p14="http://schemas.microsoft.com/office/powerpoint/2010/main" xmlns="" val="757239827"/>
       </p:ext>
     </p:extLst>
   </p:cSld>
@@ -6187,7 +6207,7 @@
           <a:blip r:embed="rId2">
             <a:extLst>
               <a:ext uri="{28A0092B-C50C-407E-A947-70E740481C1C}">
-                <a14:useLocalDpi xmlns:a14="http://schemas.microsoft.com/office/drawing/2010/main" val="0"/>
+                <a14:useLocalDpi xmlns:a14="http://schemas.microsoft.com/office/drawing/2010/main" xmlns="" val="0"/>
               </a:ext>
             </a:extLst>
           </a:blip>
@@ -6210,14 +6230,14 @@
           </a:ln>
           <a:extLst>
             <a:ext uri="{909E8E84-426E-40DD-AFC4-6F175D3DCCD1}">
-              <a14:hiddenFill xmlns:a14="http://schemas.microsoft.com/office/drawing/2010/main">
+              <a14:hiddenFill xmlns:a14="http://schemas.microsoft.com/office/drawing/2010/main" xmlns="">
                 <a:solidFill>
                   <a:srgbClr val="FFFFFF"/>
                 </a:solidFill>
               </a14:hiddenFill>
             </a:ext>
             <a:ext uri="{91240B29-F687-4F45-9708-019B960494DF}">
-              <a14:hiddenLine xmlns:a14="http://schemas.microsoft.com/office/drawing/2010/main" w="9525">
+              <a14:hiddenLine xmlns:a14="http://schemas.microsoft.com/office/drawing/2010/main" xmlns="" w="9525">
                 <a:solidFill>
                   <a:srgbClr val="000000"/>
                 </a:solidFill>
@@ -6251,14 +6271,14 @@
           </a:ln>
           <a:extLst>
             <a:ext uri="{909E8E84-426E-40DD-AFC4-6F175D3DCCD1}">
-              <a14:hiddenFill xmlns:a14="http://schemas.microsoft.com/office/drawing/2010/main">
+              <a14:hiddenFill xmlns:a14="http://schemas.microsoft.com/office/drawing/2010/main" xmlns="">
                 <a:solidFill>
                   <a:srgbClr val="FFFFFF"/>
                 </a:solidFill>
               </a14:hiddenFill>
             </a:ext>
             <a:ext uri="{91240B29-F687-4F45-9708-019B960494DF}">
-              <a14:hiddenLine xmlns:a14="http://schemas.microsoft.com/office/drawing/2010/main" w="9525">
+              <a14:hiddenLine xmlns:a14="http://schemas.microsoft.com/office/drawing/2010/main" xmlns="" w="9525">
                 <a:solidFill>
                   <a:srgbClr val="000000"/>
                 </a:solidFill>
@@ -6426,14 +6446,14 @@
           </a:ln>
           <a:extLst>
             <a:ext uri="{909E8E84-426E-40DD-AFC4-6F175D3DCCD1}">
-              <a14:hiddenFill xmlns:a14="http://schemas.microsoft.com/office/drawing/2010/main">
+              <a14:hiddenFill xmlns:a14="http://schemas.microsoft.com/office/drawing/2010/main" xmlns="">
                 <a:solidFill>
                   <a:srgbClr val="FFFFFF"/>
                 </a:solidFill>
               </a14:hiddenFill>
             </a:ext>
             <a:ext uri="{91240B29-F687-4F45-9708-019B960494DF}">
-              <a14:hiddenLine xmlns:a14="http://schemas.microsoft.com/office/drawing/2010/main" w="9525">
+              <a14:hiddenLine xmlns:a14="http://schemas.microsoft.com/office/drawing/2010/main" xmlns="" w="9525">
                 <a:solidFill>
                   <a:srgbClr val="000000"/>
                 </a:solidFill>
@@ -6585,7 +6605,7 @@
     </p:spTree>
     <p:extLst>
       <p:ext uri="{BB962C8B-B14F-4D97-AF65-F5344CB8AC3E}">
-        <p14:creationId xmlns:p14="http://schemas.microsoft.com/office/powerpoint/2010/main" val="122017579"/>
+        <p14:creationId xmlns:p14="http://schemas.microsoft.com/office/powerpoint/2010/main" xmlns="" val="122017579"/>
       </p:ext>
     </p:extLst>
   </p:cSld>
@@ -6911,7 +6931,7 @@
     </p:spTree>
     <p:extLst>
       <p:ext uri="{BB962C8B-B14F-4D97-AF65-F5344CB8AC3E}">
-        <p14:creationId xmlns:p14="http://schemas.microsoft.com/office/powerpoint/2010/main" val="412119773"/>
+        <p14:creationId xmlns:p14="http://schemas.microsoft.com/office/powerpoint/2010/main" xmlns="" val="412119773"/>
       </p:ext>
     </p:extLst>
   </p:cSld>
@@ -7203,7 +7223,7 @@
           <a:blip r:embed="rId2">
             <a:extLst>
               <a:ext uri="{28A0092B-C50C-407E-A947-70E740481C1C}">
-                <a14:useLocalDpi xmlns:a14="http://schemas.microsoft.com/office/drawing/2010/main" val="0"/>
+                <a14:useLocalDpi xmlns:a14="http://schemas.microsoft.com/office/drawing/2010/main" xmlns="" val="0"/>
               </a:ext>
             </a:extLst>
           </a:blip>
@@ -7223,7 +7243,7 @@
           <a:noFill/>
           <a:extLst>
             <a:ext uri="{909E8E84-426E-40DD-AFC4-6F175D3DCCD1}">
-              <a14:hiddenFill xmlns:a14="http://schemas.microsoft.com/office/drawing/2010/main">
+              <a14:hiddenFill xmlns:a14="http://schemas.microsoft.com/office/drawing/2010/main" xmlns="">
                 <a:solidFill>
                   <a:srgbClr val="FFFFFF"/>
                 </a:solidFill>
@@ -7235,7 +7255,7 @@
     </p:spTree>
     <p:extLst>
       <p:ext uri="{BB962C8B-B14F-4D97-AF65-F5344CB8AC3E}">
-        <p14:creationId xmlns:p14="http://schemas.microsoft.com/office/powerpoint/2010/main" val="3383932398"/>
+        <p14:creationId xmlns:p14="http://schemas.microsoft.com/office/powerpoint/2010/main" xmlns="" val="3383932398"/>
       </p:ext>
     </p:extLst>
   </p:cSld>
@@ -7327,14 +7347,14 @@
           </a:ln>
           <a:extLst>
             <a:ext uri="{909E8E84-426E-40DD-AFC4-6F175D3DCCD1}">
-              <a14:hiddenFill xmlns:a14="http://schemas.microsoft.com/office/drawing/2010/main">
+              <a14:hiddenFill xmlns:a14="http://schemas.microsoft.com/office/drawing/2010/main" xmlns="">
                 <a:solidFill>
                   <a:schemeClr val="accent1"/>
                 </a:solidFill>
               </a14:hiddenFill>
             </a:ext>
             <a:ext uri="{91240B29-F687-4F45-9708-019B960494DF}">
-              <a14:hiddenLine xmlns:a14="http://schemas.microsoft.com/office/drawing/2010/main" w="9525">
+              <a14:hiddenLine xmlns:a14="http://schemas.microsoft.com/office/drawing/2010/main" xmlns="" w="9525">
                 <a:solidFill>
                   <a:schemeClr val="tx1"/>
                 </a:solidFill>
@@ -7388,14 +7408,14 @@
           </a:ln>
           <a:extLst>
             <a:ext uri="{909E8E84-426E-40DD-AFC4-6F175D3DCCD1}">
-              <a14:hiddenFill xmlns:a14="http://schemas.microsoft.com/office/drawing/2010/main">
+              <a14:hiddenFill xmlns:a14="http://schemas.microsoft.com/office/drawing/2010/main" xmlns="">
                 <a:solidFill>
                   <a:schemeClr val="accent1"/>
                 </a:solidFill>
               </a14:hiddenFill>
             </a:ext>
             <a:ext uri="{91240B29-F687-4F45-9708-019B960494DF}">
-              <a14:hiddenLine xmlns:a14="http://schemas.microsoft.com/office/drawing/2010/main" w="9525">
+              <a14:hiddenLine xmlns:a14="http://schemas.microsoft.com/office/drawing/2010/main" xmlns="" w="9525">
                 <a:solidFill>
                   <a:schemeClr val="tx1"/>
                 </a:solidFill>
@@ -7557,7 +7577,7 @@
           <a:blip r:embed="rId3">
             <a:extLst>
               <a:ext uri="{28A0092B-C50C-407E-A947-70E740481C1C}">
-                <a14:useLocalDpi xmlns:a14="http://schemas.microsoft.com/office/drawing/2010/main" val="0"/>
+                <a14:useLocalDpi xmlns:a14="http://schemas.microsoft.com/office/drawing/2010/main" xmlns="" val="0"/>
               </a:ext>
             </a:extLst>
           </a:blip>
@@ -7580,14 +7600,14 @@
           </a:ln>
           <a:extLst>
             <a:ext uri="{909E8E84-426E-40DD-AFC4-6F175D3DCCD1}">
-              <a14:hiddenFill xmlns:a14="http://schemas.microsoft.com/office/drawing/2010/main">
+              <a14:hiddenFill xmlns:a14="http://schemas.microsoft.com/office/drawing/2010/main" xmlns="">
                 <a:solidFill>
                   <a:srgbClr val="FFFFFF"/>
                 </a:solidFill>
               </a14:hiddenFill>
             </a:ext>
             <a:ext uri="{91240B29-F687-4F45-9708-019B960494DF}">
-              <a14:hiddenLine xmlns:a14="http://schemas.microsoft.com/office/drawing/2010/main" w="9525">
+              <a14:hiddenLine xmlns:a14="http://schemas.microsoft.com/office/drawing/2010/main" xmlns="" w="9525">
                 <a:solidFill>
                   <a:srgbClr val="000000"/>
                 </a:solidFill>
@@ -7602,7 +7622,7 @@
     </p:spTree>
     <p:extLst>
       <p:ext uri="{BB962C8B-B14F-4D97-AF65-F5344CB8AC3E}">
-        <p14:creationId xmlns:p14="http://schemas.microsoft.com/office/powerpoint/2010/main" val="2889766401"/>
+        <p14:creationId xmlns:p14="http://schemas.microsoft.com/office/powerpoint/2010/main" xmlns="" val="2889766401"/>
       </p:ext>
     </p:extLst>
   </p:cSld>
@@ -7741,7 +7761,7 @@
     </p:spTree>
     <p:extLst>
       <p:ext uri="{BB962C8B-B14F-4D97-AF65-F5344CB8AC3E}">
-        <p14:creationId xmlns:p14="http://schemas.microsoft.com/office/powerpoint/2010/main" val="974844019"/>
+        <p14:creationId xmlns:p14="http://schemas.microsoft.com/office/powerpoint/2010/main" xmlns="" val="974844019"/>
       </p:ext>
     </p:extLst>
   </p:cSld>
@@ -7898,13 +7918,13 @@
           <a:p>
             <a:r>
               <a:rPr lang="en-US" sz="3000" dirty="0" smtClean="0">
-                <a:hlinkClick r:id="rId3"/>
+                <a:hlinkClick r:id="rId2"/>
               </a:rPr>
               <a:t>d(String</a:t>
             </a:r>
             <a:r>
               <a:rPr lang="en-US" sz="3000" dirty="0">
-                <a:hlinkClick r:id="rId3"/>
+                <a:hlinkClick r:id="rId2"/>
               </a:rPr>
               <a:t>, String)</a:t>
             </a:r>
@@ -7916,13 +7936,13 @@
           <a:p>
             <a:r>
               <a:rPr lang="en-US" sz="3000" dirty="0" err="1">
-                <a:hlinkClick r:id="rId4"/>
+                <a:hlinkClick r:id="rId2"/>
               </a:rPr>
               <a:t>i</a:t>
             </a:r>
             <a:r>
               <a:rPr lang="en-US" sz="3000" dirty="0">
-                <a:hlinkClick r:id="rId4"/>
+                <a:hlinkClick r:id="rId2"/>
               </a:rPr>
               <a:t>(String, String)</a:t>
             </a:r>
@@ -7934,7 +7954,7 @@
           <a:p>
             <a:r>
               <a:rPr lang="en-US" sz="3000" dirty="0">
-                <a:hlinkClick r:id="rId5"/>
+                <a:hlinkClick r:id="rId2"/>
               </a:rPr>
               <a:t>w(String, String)</a:t>
             </a:r>
@@ -7946,7 +7966,7 @@
           <a:p>
             <a:r>
               <a:rPr lang="en-US" sz="3000" dirty="0">
-                <a:hlinkClick r:id="rId6"/>
+                <a:hlinkClick r:id="rId2"/>
               </a:rPr>
               <a:t>e(String, String)</a:t>
             </a:r>
@@ -7988,7 +8008,7 @@
     </p:spTree>
     <p:extLst>
       <p:ext uri="{BB962C8B-B14F-4D97-AF65-F5344CB8AC3E}">
-        <p14:creationId xmlns:p14="http://schemas.microsoft.com/office/powerpoint/2010/main" val="1441792212"/>
+        <p14:creationId xmlns:p14="http://schemas.microsoft.com/office/powerpoint/2010/main" xmlns="" val="1441792212"/>
       </p:ext>
     </p:extLst>
   </p:cSld>
@@ -8284,14 +8304,6 @@
               </a:rPr>
               <a:t> then puts the blocks together.</a:t>
             </a:r>
-            <a:endParaRPr lang="en-US" sz="3100" dirty="0">
-              <a:solidFill>
-                <a:schemeClr val="tx1">
-                  <a:lumMod val="75000"/>
-                  <a:lumOff val="25000"/>
-                </a:schemeClr>
-              </a:solidFill>
-            </a:endParaRPr>
           </a:p>
           <a:p>
             <a:pPr eaLnBrk="1" fontAlgn="auto" hangingPunct="1">
@@ -8404,7 +8416,7 @@
     </p:spTree>
     <p:extLst>
       <p:ext uri="{BB962C8B-B14F-4D97-AF65-F5344CB8AC3E}">
-        <p14:creationId xmlns:p14="http://schemas.microsoft.com/office/powerpoint/2010/main" val="2833741039"/>
+        <p14:creationId xmlns:p14="http://schemas.microsoft.com/office/powerpoint/2010/main" xmlns="" val="2833741039"/>
       </p:ext>
     </p:extLst>
   </p:cSld>
@@ -8450,7 +8462,7 @@
           <a:blip r:embed="rId2">
             <a:extLst>
               <a:ext uri="{28A0092B-C50C-407E-A947-70E740481C1C}">
-                <a14:useLocalDpi xmlns:a14="http://schemas.microsoft.com/office/drawing/2010/main" val="0"/>
+                <a14:useLocalDpi xmlns:a14="http://schemas.microsoft.com/office/drawing/2010/main" xmlns="" val="0"/>
               </a:ext>
             </a:extLst>
           </a:blip>
@@ -8470,7 +8482,7 @@
           <a:noFill/>
           <a:extLst>
             <a:ext uri="{909E8E84-426E-40DD-AFC4-6F175D3DCCD1}">
-              <a14:hiddenFill xmlns:a14="http://schemas.microsoft.com/office/drawing/2010/main">
+              <a14:hiddenFill xmlns:a14="http://schemas.microsoft.com/office/drawing/2010/main" xmlns="">
                 <a:solidFill>
                   <a:srgbClr val="FFFFFF"/>
                 </a:solidFill>
@@ -8847,14 +8859,14 @@
           </a:ln>
           <a:extLst>
             <a:ext uri="{909E8E84-426E-40DD-AFC4-6F175D3DCCD1}">
-              <a14:hiddenFill xmlns:a14="http://schemas.microsoft.com/office/drawing/2010/main">
+              <a14:hiddenFill xmlns:a14="http://schemas.microsoft.com/office/drawing/2010/main" xmlns="">
                 <a:solidFill>
                   <a:srgbClr val="FFFFFF"/>
                 </a:solidFill>
               </a14:hiddenFill>
             </a:ext>
             <a:ext uri="{91240B29-F687-4F45-9708-019B960494DF}">
-              <a14:hiddenLine xmlns:a14="http://schemas.microsoft.com/office/drawing/2010/main" w="9525">
+              <a14:hiddenLine xmlns:a14="http://schemas.microsoft.com/office/drawing/2010/main" xmlns="" w="9525">
                 <a:solidFill>
                   <a:srgbClr val="000000"/>
                 </a:solidFill>
@@ -9071,7 +9083,7 @@
     </p:spTree>
     <p:extLst>
       <p:ext uri="{BB962C8B-B14F-4D97-AF65-F5344CB8AC3E}">
-        <p14:creationId xmlns:p14="http://schemas.microsoft.com/office/powerpoint/2010/main" val="2428548224"/>
+        <p14:creationId xmlns:p14="http://schemas.microsoft.com/office/powerpoint/2010/main" xmlns="" val="2428548224"/>
       </p:ext>
     </p:extLst>
   </p:cSld>
@@ -9223,7 +9235,7 @@
     </p:spTree>
     <p:extLst>
       <p:ext uri="{BB962C8B-B14F-4D97-AF65-F5344CB8AC3E}">
-        <p14:creationId xmlns:p14="http://schemas.microsoft.com/office/powerpoint/2010/main" val="85164891"/>
+        <p14:creationId xmlns:p14="http://schemas.microsoft.com/office/powerpoint/2010/main" xmlns="" val="85164891"/>
       </p:ext>
     </p:extLst>
   </p:cSld>
@@ -9324,7 +9336,7 @@
     </p:spTree>
     <p:extLst>
       <p:ext uri="{BB962C8B-B14F-4D97-AF65-F5344CB8AC3E}">
-        <p14:creationId xmlns:p14="http://schemas.microsoft.com/office/powerpoint/2010/main" val="3215089557"/>
+        <p14:creationId xmlns:p14="http://schemas.microsoft.com/office/powerpoint/2010/main" xmlns="" val="3215089557"/>
       </p:ext>
     </p:extLst>
   </p:cSld>
@@ -9467,11 +9479,7 @@
             </a:pPr>
             <a:r>
               <a:rPr lang="en-US" sz="2800" dirty="0" smtClean="0"/>
-              <a:t>View(Group</a:t>
-            </a:r>
-            <a:r>
-              <a:rPr lang="en-US" sz="2800" dirty="0" smtClean="0"/>
-              <a:t>) made visible via </a:t>
+              <a:t>View(Group) made visible via </a:t>
             </a:r>
             <a:r>
               <a:rPr lang="en-US" sz="2800" dirty="0" err="1" smtClean="0">
@@ -9499,7 +9507,7 @@
     </p:spTree>
     <p:extLst>
       <p:ext uri="{BB962C8B-B14F-4D97-AF65-F5344CB8AC3E}">
-        <p14:creationId xmlns:p14="http://schemas.microsoft.com/office/powerpoint/2010/main" val="4076638755"/>
+        <p14:creationId xmlns:p14="http://schemas.microsoft.com/office/powerpoint/2010/main" xmlns="" val="4076638755"/>
       </p:ext>
     </p:extLst>
   </p:cSld>
@@ -9545,7 +9553,7 @@
           <a:blip r:embed="rId2">
             <a:extLst>
               <a:ext uri="{28A0092B-C50C-407E-A947-70E740481C1C}">
-                <a14:useLocalDpi xmlns:a14="http://schemas.microsoft.com/office/drawing/2010/main" val="0"/>
+                <a14:useLocalDpi xmlns:a14="http://schemas.microsoft.com/office/drawing/2010/main" xmlns="" val="0"/>
               </a:ext>
             </a:extLst>
           </a:blip>
@@ -9565,7 +9573,7 @@
           <a:noFill/>
           <a:extLst>
             <a:ext uri="{909E8E84-426E-40DD-AFC4-6F175D3DCCD1}">
-              <a14:hiddenFill xmlns:a14="http://schemas.microsoft.com/office/drawing/2010/main">
+              <a14:hiddenFill xmlns:a14="http://schemas.microsoft.com/office/drawing/2010/main" xmlns="">
                 <a:solidFill>
                   <a:srgbClr val="FFFFFF"/>
                 </a:solidFill>
@@ -9607,7 +9615,7 @@
     </p:spTree>
     <p:extLst>
       <p:ext uri="{BB962C8B-B14F-4D97-AF65-F5344CB8AC3E}">
-        <p14:creationId xmlns:p14="http://schemas.microsoft.com/office/powerpoint/2010/main" val="2646420460"/>
+        <p14:creationId xmlns:p14="http://schemas.microsoft.com/office/powerpoint/2010/main" xmlns="" val="2646420460"/>
       </p:ext>
     </p:extLst>
   </p:cSld>
@@ -9852,7 +9860,7 @@
     </p:spTree>
     <p:extLst>
       <p:ext uri="{BB962C8B-B14F-4D97-AF65-F5344CB8AC3E}">
-        <p14:creationId xmlns:p14="http://schemas.microsoft.com/office/powerpoint/2010/main" val="3825008929"/>
+        <p14:creationId xmlns:p14="http://schemas.microsoft.com/office/powerpoint/2010/main" xmlns="" val="3825008929"/>
       </p:ext>
     </p:extLst>
   </p:cSld>
@@ -9989,7 +9997,7 @@
     </p:spTree>
     <p:extLst>
       <p:ext uri="{BB962C8B-B14F-4D97-AF65-F5344CB8AC3E}">
-        <p14:creationId xmlns:p14="http://schemas.microsoft.com/office/powerpoint/2010/main" val="1102443942"/>
+        <p14:creationId xmlns:p14="http://schemas.microsoft.com/office/powerpoint/2010/main" xmlns="" val="1102443942"/>
       </p:ext>
     </p:extLst>
   </p:cSld>
@@ -10174,7 +10182,7 @@
     </p:spTree>
     <p:extLst>
       <p:ext uri="{BB962C8B-B14F-4D97-AF65-F5344CB8AC3E}">
-        <p14:creationId xmlns:p14="http://schemas.microsoft.com/office/powerpoint/2010/main" val="2256662900"/>
+        <p14:creationId xmlns:p14="http://schemas.microsoft.com/office/powerpoint/2010/main" xmlns="" val="2256662900"/>
       </p:ext>
     </p:extLst>
   </p:cSld>
